--- a/doctemplates/ExamplePPT.pptx
+++ b/doctemplates/ExamplePPT.pptx
@@ -5,8 +5,8 @@
     <p:sldMasterId id="2147483764" r:id="rId1"/>
   </p:sldMasterIdLst>
   <p:sldIdLst>
-    <p:sldId id="256" r:id="rId2"/>
-    <p:sldId id="257" r:id="rId3"/>
+    <p:sldId id="257" r:id="rId2"/>
+    <p:sldId id="259" r:id="rId3"/>
   </p:sldIdLst>
   <p:sldSz cx="12192000" cy="6858000"/>
   <p:notesSz cx="6858000" cy="9144000"/>
@@ -105,6 +105,11 @@
       </a:defRPr>
     </a:lvl9pPr>
   </p:defaultTextStyle>
+  <p:extLst>
+    <p:ext uri="{EFAFB233-063F-42B5-8137-9DF3F51BA10A}">
+      <p15:sldGuideLst xmlns:p15="http://schemas.microsoft.com/office/powerpoint/2012/main"/>
+    </p:ext>
+  </p:extLst>
 </p:presentation>
 </file>
 
@@ -258,7 +263,7 @@
             <a:fld id="{B61BEF0D-F0BB-DE4B-95CE-6DB70DBA9567}" type="datetimeFigureOut">
               <a:rPr lang="en-US" smtClean="0"/>
               <a:pPr/>
-              <a:t>10/1/21</a:t>
+              <a:t>10/12/21</a:t>
             </a:fld>
             <a:endParaRPr lang="en-US" dirty="0"/>
           </a:p>
@@ -460,7 +465,7 @@
             <a:fld id="{B61BEF0D-F0BB-DE4B-95CE-6DB70DBA9567}" type="datetimeFigureOut">
               <a:rPr lang="en-US" smtClean="0"/>
               <a:pPr/>
-              <a:t>10/1/21</a:t>
+              <a:t>10/12/21</a:t>
             </a:fld>
             <a:endParaRPr lang="en-US" dirty="0"/>
           </a:p>
@@ -672,7 +677,7 @@
             <a:fld id="{B61BEF0D-F0BB-DE4B-95CE-6DB70DBA9567}" type="datetimeFigureOut">
               <a:rPr lang="en-US" smtClean="0"/>
               <a:pPr/>
-              <a:t>10/1/21</a:t>
+              <a:t>10/12/21</a:t>
             </a:fld>
             <a:endParaRPr lang="en-US" dirty="0"/>
           </a:p>
@@ -874,7 +879,7 @@
             <a:fld id="{B61BEF0D-F0BB-DE4B-95CE-6DB70DBA9567}" type="datetimeFigureOut">
               <a:rPr lang="en-US" smtClean="0"/>
               <a:pPr/>
-              <a:t>10/1/21</a:t>
+              <a:t>10/12/21</a:t>
             </a:fld>
             <a:endParaRPr lang="en-US" dirty="0"/>
           </a:p>
@@ -1152,7 +1157,7 @@
             <a:fld id="{B61BEF0D-F0BB-DE4B-95CE-6DB70DBA9567}" type="datetimeFigureOut">
               <a:rPr lang="en-US" smtClean="0"/>
               <a:pPr/>
-              <a:t>10/1/21</a:t>
+              <a:t>10/12/21</a:t>
             </a:fld>
             <a:endParaRPr lang="en-US" dirty="0"/>
           </a:p>
@@ -1422,7 +1427,7 @@
             <a:fld id="{B61BEF0D-F0BB-DE4B-95CE-6DB70DBA9567}" type="datetimeFigureOut">
               <a:rPr lang="en-US" smtClean="0"/>
               <a:pPr/>
-              <a:t>10/1/21</a:t>
+              <a:t>10/12/21</a:t>
             </a:fld>
             <a:endParaRPr lang="en-US" dirty="0"/>
           </a:p>
@@ -1839,7 +1844,7 @@
             <a:fld id="{B61BEF0D-F0BB-DE4B-95CE-6DB70DBA9567}" type="datetimeFigureOut">
               <a:rPr lang="en-US" smtClean="0"/>
               <a:pPr/>
-              <a:t>10/1/21</a:t>
+              <a:t>10/12/21</a:t>
             </a:fld>
             <a:endParaRPr lang="en-US" dirty="0"/>
           </a:p>
@@ -1983,7 +1988,7 @@
             <a:fld id="{B61BEF0D-F0BB-DE4B-95CE-6DB70DBA9567}" type="datetimeFigureOut">
               <a:rPr lang="en-US" smtClean="0"/>
               <a:pPr/>
-              <a:t>10/1/21</a:t>
+              <a:t>10/12/21</a:t>
             </a:fld>
             <a:endParaRPr lang="en-US" dirty="0"/>
           </a:p>
@@ -2098,7 +2103,7 @@
             <a:fld id="{B61BEF0D-F0BB-DE4B-95CE-6DB70DBA9567}" type="datetimeFigureOut">
               <a:rPr lang="en-US" smtClean="0"/>
               <a:pPr/>
-              <a:t>10/1/21</a:t>
+              <a:t>10/12/21</a:t>
             </a:fld>
             <a:endParaRPr lang="en-US" dirty="0"/>
           </a:p>
@@ -2413,7 +2418,7 @@
             <a:fld id="{B61BEF0D-F0BB-DE4B-95CE-6DB70DBA9567}" type="datetimeFigureOut">
               <a:rPr lang="en-US" smtClean="0"/>
               <a:pPr/>
-              <a:t>10/1/21</a:t>
+              <a:t>10/12/21</a:t>
             </a:fld>
             <a:endParaRPr lang="en-US" dirty="0"/>
           </a:p>
@@ -2704,7 +2709,7 @@
             <a:fld id="{B61BEF0D-F0BB-DE4B-95CE-6DB70DBA9567}" type="datetimeFigureOut">
               <a:rPr lang="en-US" smtClean="0"/>
               <a:pPr/>
-              <a:t>10/1/21</a:t>
+              <a:t>10/12/21</a:t>
             </a:fld>
             <a:endParaRPr lang="en-US" dirty="0"/>
           </a:p>
@@ -2949,7 +2954,7 @@
             <a:fld id="{B61BEF0D-F0BB-DE4B-95CE-6DB70DBA9567}" type="datetimeFigureOut">
               <a:rPr lang="en-US" smtClean="0"/>
               <a:pPr/>
-              <a:t>10/1/21</a:t>
+              <a:t>10/12/21</a:t>
             </a:fld>
             <a:endParaRPr lang="en-US" dirty="0"/>
           </a:p>
@@ -3353,6 +3358,14 @@
 <file path=ppt/slides/slide1.xml><?xml version="1.0" encoding="utf-8"?>
 <p:sld xmlns:a="http://schemas.openxmlformats.org/drawingml/2006/main" xmlns:r="http://schemas.openxmlformats.org/officeDocument/2006/relationships" xmlns:p="http://schemas.openxmlformats.org/presentationml/2006/main">
   <p:cSld>
+    <p:bg>
+      <p:bgPr>
+        <a:solidFill>
+          <a:srgbClr val="042C50"/>
+        </a:solidFill>
+        <a:effectLst/>
+      </p:bgPr>
+    </p:bg>
     <p:spTree>
       <p:nvGrpSpPr>
         <p:cNvPr id="1" name=""/>
@@ -3372,55 +3385,127 @@
           <p:cNvPr id="2" name="Title 1">
             <a:extLst>
               <a:ext uri="{FF2B5EF4-FFF2-40B4-BE49-F238E27FC236}">
-                <a16:creationId xmlns:a16="http://schemas.microsoft.com/office/drawing/2014/main" id="{42E77709-6E0B-3841-806B-6BF7841C507A}"/>
-              </a:ext>
-            </a:extLst>
-          </p:cNvPr>
-          <p:cNvSpPr>
-            <a:spLocks noGrp="1"/>
-          </p:cNvSpPr>
-          <p:nvPr>
-            <p:ph type="ctrTitle"/>
-          </p:nvPr>
-        </p:nvSpPr>
-        <p:spPr/>
-        <p:txBody>
-          <a:bodyPr/>
-          <a:lstStyle/>
-          <a:p>
-            <a:endParaRPr lang="en-US" dirty="0"/>
-          </a:p>
-        </p:txBody>
-      </p:sp>
-      <p:sp>
-        <p:nvSpPr>
-          <p:cNvPr id="3" name="Subtitle 2">
-            <a:extLst>
-              <a:ext uri="{FF2B5EF4-FFF2-40B4-BE49-F238E27FC236}">
-                <a16:creationId xmlns:a16="http://schemas.microsoft.com/office/drawing/2014/main" id="{C264C904-E78D-7E4A-B98B-085C80F68B6E}"/>
-              </a:ext>
-            </a:extLst>
-          </p:cNvPr>
-          <p:cNvSpPr>
-            <a:spLocks noGrp="1"/>
-          </p:cNvSpPr>
-          <p:nvPr>
-            <p:ph type="subTitle" idx="1"/>
-          </p:nvPr>
-        </p:nvSpPr>
-        <p:spPr/>
-        <p:txBody>
-          <a:bodyPr/>
-          <a:lstStyle/>
-          <a:p>
-            <a:endParaRPr lang="en-US" dirty="0"/>
+                <a16:creationId xmlns:a16="http://schemas.microsoft.com/office/drawing/2014/main" id="{2BD2DD9C-F99E-2042-80AE-5DC8960B3E8D}"/>
+              </a:ext>
+            </a:extLst>
+          </p:cNvPr>
+          <p:cNvSpPr>
+            <a:spLocks noGrp="1"/>
+          </p:cNvSpPr>
+          <p:nvPr>
+            <p:ph type="title"/>
+          </p:nvPr>
+        </p:nvSpPr>
+        <p:spPr>
+          <a:xfrm>
+            <a:off x="838200" y="979806"/>
+            <a:ext cx="10515600" cy="632402"/>
+          </a:xfrm>
+        </p:spPr>
+        <p:txBody>
+          <a:bodyPr>
+            <a:normAutofit fontScale="90000"/>
+          </a:bodyPr>
+          <a:lstStyle/>
+          <a:p>
+            <a:r>
+              <a:rPr lang="en-US" dirty="0">
+                <a:solidFill>
+                  <a:schemeClr val="bg1"/>
+                </a:solidFill>
+                <a:latin typeface="+mn-lt"/>
+                <a:cs typeface="Corsiva Hebrew" pitchFamily="2" charset="-79"/>
+              </a:rPr>
+              <a:t>$</a:t>
+            </a:r>
+            <a:r>
+              <a:rPr lang="en-US" dirty="0" err="1">
+                <a:solidFill>
+                  <a:schemeClr val="bg1"/>
+                </a:solidFill>
+                <a:latin typeface="+mn-lt"/>
+                <a:cs typeface="Corsiva Hebrew" pitchFamily="2" charset="-79"/>
+              </a:rPr>
+              <a:t>whoami</a:t>
+            </a:r>
+            <a:endParaRPr lang="en-US" dirty="0">
+              <a:solidFill>
+                <a:schemeClr val="bg1"/>
+              </a:solidFill>
+              <a:latin typeface="+mn-lt"/>
+              <a:cs typeface="Corsiva Hebrew" pitchFamily="2" charset="-79"/>
+            </a:endParaRPr>
+          </a:p>
+        </p:txBody>
+      </p:sp>
+      <p:sp>
+        <p:nvSpPr>
+          <p:cNvPr id="4" name="Title 1">
+            <a:extLst>
+              <a:ext uri="{FF2B5EF4-FFF2-40B4-BE49-F238E27FC236}">
+                <a16:creationId xmlns:a16="http://schemas.microsoft.com/office/drawing/2014/main" id="{994EC78A-2404-B14B-AD23-0BBC52737D3B}"/>
+              </a:ext>
+            </a:extLst>
+          </p:cNvPr>
+          <p:cNvSpPr txBox="1">
+            <a:spLocks/>
+          </p:cNvSpPr>
+          <p:nvPr/>
+        </p:nvSpPr>
+        <p:spPr>
+          <a:xfrm>
+            <a:off x="838200" y="2096945"/>
+            <a:ext cx="10515600" cy="451946"/>
+          </a:xfrm>
+          <a:prstGeom prst="rect">
+            <a:avLst/>
+          </a:prstGeom>
+        </p:spPr>
+        <p:txBody>
+          <a:bodyPr vert="horz" lIns="91440" tIns="45720" rIns="91440" bIns="45720" rtlCol="0" anchor="ctr">
+            <a:normAutofit fontScale="97500" lnSpcReduction="10000"/>
+          </a:bodyPr>
+          <a:lstStyle>
+            <a:lvl1pPr algn="l" defTabSz="914400" rtl="0" eaLnBrk="1" latinLnBrk="0" hangingPunct="1">
+              <a:lnSpc>
+                <a:spcPct val="90000"/>
+              </a:lnSpc>
+              <a:spcBef>
+                <a:spcPct val="0"/>
+              </a:spcBef>
+              <a:buNone/>
+              <a:defRPr sz="4400" kern="1200">
+                <a:solidFill>
+                  <a:schemeClr val="tx1"/>
+                </a:solidFill>
+                <a:latin typeface="+mj-lt"/>
+                <a:ea typeface="+mj-ea"/>
+                <a:cs typeface="+mj-cs"/>
+              </a:defRPr>
+            </a:lvl1pPr>
+          </a:lstStyle>
+          <a:p>
+            <a:pPr marL="457200" indent="-457200">
+              <a:buFont typeface="Arial" panose="020B0604020202020204" pitchFamily="34" charset="0"/>
+              <a:buChar char="•"/>
+            </a:pPr>
+            <a:r>
+              <a:rPr lang="en-US" sz="2800" dirty="0">
+                <a:solidFill>
+                  <a:srgbClr val="48C0E8"/>
+                </a:solidFill>
+                <a:latin typeface="Corsiva Hebrew" pitchFamily="2" charset="-79"/>
+                <a:cs typeface="Corsiva Hebrew" pitchFamily="2" charset="-79"/>
+              </a:rPr>
+              <a:t>DevOps/Cloud Engineer</a:t>
+            </a:r>
           </a:p>
         </p:txBody>
       </p:sp>
     </p:spTree>
     <p:extLst>
       <p:ext uri="{BB962C8B-B14F-4D97-AF65-F5344CB8AC3E}">
-        <p14:creationId xmlns:p14="http://schemas.microsoft.com/office/powerpoint/2010/main" val="4220488827"/>
+        <p14:creationId xmlns:p14="http://schemas.microsoft.com/office/powerpoint/2010/main" val="1576387145"/>
       </p:ext>
     </p:extLst>
   </p:cSld>
@@ -3732,7 +3817,7 @@
     </p:spTree>
     <p:extLst>
       <p:ext uri="{BB962C8B-B14F-4D97-AF65-F5344CB8AC3E}">
-        <p14:creationId xmlns:p14="http://schemas.microsoft.com/office/powerpoint/2010/main" val="1576387145"/>
+        <p14:creationId xmlns:p14="http://schemas.microsoft.com/office/powerpoint/2010/main" val="1830561566"/>
       </p:ext>
     </p:extLst>
   </p:cSld>
